--- a/S3 - DBI202/Slides/Chapter 1.pptx
+++ b/S3 - DBI202/Slides/Chapter 1.pptx
@@ -217,7 +217,7 @@
           <a:p>
             <a:fld id="{82554DCC-1239-4029-BFC2-99F046633A25}" type="datetimeFigureOut">
               <a:rPr lang="vi-VN" smtClean="0"/>
-              <a:t>22/12/2020</a:t>
+              <a:t>17/11/2025</a:t>
             </a:fld>
             <a:endParaRPr lang="vi-VN"/>
           </a:p>
@@ -1523,7 +1523,7 @@
           <a:p>
             <a:fld id="{7F19E31E-41BA-4CA1-8654-8D579EEC599C}" type="datetime1">
               <a:rPr lang="vi-VN" smtClean="0"/>
-              <a:t>22/12/2020</a:t>
+              <a:t>17/11/2025</a:t>
             </a:fld>
             <a:endParaRPr lang="vi-VN"/>
           </a:p>
@@ -1767,7 +1767,7 @@
           <a:p>
             <a:fld id="{75F0B66C-A4E8-4865-B44A-080EEF8A032F}" type="datetime1">
               <a:rPr lang="vi-VN" smtClean="0"/>
-              <a:t>22/12/2020</a:t>
+              <a:t>17/11/2025</a:t>
             </a:fld>
             <a:endParaRPr lang="vi-VN"/>
           </a:p>
@@ -2027,7 +2027,7 @@
           <a:p>
             <a:fld id="{2B80E7DC-A3FF-4DB5-A7F1-8E15B9CBF6E8}" type="datetime1">
               <a:rPr lang="vi-VN" smtClean="0"/>
-              <a:t>22/12/2020</a:t>
+              <a:t>17/11/2025</a:t>
             </a:fld>
             <a:endParaRPr lang="vi-VN"/>
           </a:p>
@@ -2210,7 +2210,7 @@
           <a:p>
             <a:fld id="{3C401C3D-39C2-4613-B313-7F5201B9860C}" type="datetime1">
               <a:rPr lang="vi-VN" smtClean="0"/>
-              <a:t>22/12/2020</a:t>
+              <a:t>17/11/2025</a:t>
             </a:fld>
             <a:endParaRPr lang="vi-VN"/>
           </a:p>
@@ -2557,7 +2557,7 @@
           <a:p>
             <a:fld id="{AC14F05C-B47A-4893-8EBA-62977CEA1A71}" type="datetime1">
               <a:rPr lang="vi-VN" smtClean="0"/>
-              <a:t>22/12/2020</a:t>
+              <a:t>17/11/2025</a:t>
             </a:fld>
             <a:endParaRPr lang="vi-VN"/>
           </a:p>
@@ -2868,7 +2868,7 @@
           <a:p>
             <a:fld id="{CE07981F-FA8C-4D79-8223-805CD44273CA}" type="datetime1">
               <a:rPr lang="vi-VN" smtClean="0"/>
-              <a:t>22/12/2020</a:t>
+              <a:t>17/11/2025</a:t>
             </a:fld>
             <a:endParaRPr lang="vi-VN"/>
           </a:p>
@@ -3251,7 +3251,7 @@
           <a:p>
             <a:fld id="{2BC0D1C4-35A7-496E-AD6D-158EDDBA4F7A}" type="datetime1">
               <a:rPr lang="vi-VN" smtClean="0"/>
-              <a:t>22/12/2020</a:t>
+              <a:t>17/11/2025</a:t>
             </a:fld>
             <a:endParaRPr lang="vi-VN"/>
           </a:p>
@@ -3373,7 +3373,7 @@
           <a:p>
             <a:fld id="{B58E4EF4-C616-4A88-9361-ACFA2661F8B9}" type="datetime1">
               <a:rPr lang="vi-VN" smtClean="0"/>
-              <a:t>22/12/2020</a:t>
+              <a:t>17/11/2025</a:t>
             </a:fld>
             <a:endParaRPr lang="vi-VN"/>
           </a:p>
@@ -3548,7 +3548,7 @@
           <a:p>
             <a:fld id="{D8BA5F62-3463-4787-825E-06AA31056D5F}" type="datetime1">
               <a:rPr lang="vi-VN" smtClean="0"/>
-              <a:t>22/12/2020</a:t>
+              <a:t>17/11/2025</a:t>
             </a:fld>
             <a:endParaRPr lang="vi-VN"/>
           </a:p>
@@ -3906,7 +3906,7 @@
           <a:p>
             <a:fld id="{10A843B9-6EC4-4ED6-856A-93393B63D8AC}" type="datetime1">
               <a:rPr lang="vi-VN" smtClean="0"/>
-              <a:t>22/12/2020</a:t>
+              <a:t>17/11/2025</a:t>
             </a:fld>
             <a:endParaRPr lang="vi-VN"/>
           </a:p>
@@ -4292,7 +4292,7 @@
           <a:p>
             <a:fld id="{A77EFE40-3F68-4AD8-9F4A-1454F924F411}" type="datetime1">
               <a:rPr lang="vi-VN" smtClean="0"/>
-              <a:t>22/12/2020</a:t>
+              <a:t>17/11/2025</a:t>
             </a:fld>
             <a:endParaRPr lang="vi-VN"/>
           </a:p>
@@ -4581,7 +4581,7 @@
           <a:p>
             <a:fld id="{ADF88698-A679-4FD2-B773-46917949C453}" type="datetime1">
               <a:rPr lang="vi-VN" smtClean="0"/>
-              <a:t>22/12/2020</a:t>
+              <a:t>17/11/2025</a:t>
             </a:fld>
             <a:endParaRPr lang="vi-VN"/>
           </a:p>
